--- a/Lectures/week 1/week 1 - Course Information 2023.pptx
+++ b/Lectures/week 1/week 1 - Course Information 2023.pptx
@@ -5,10 +5,10 @@
     <p:sldMasterId id="2147483649" r:id="rId1"/>
   </p:sldMasterIdLst>
   <p:notesMasterIdLst>
-    <p:notesMasterId r:id="rId27"/>
+    <p:notesMasterId r:id="rId26"/>
   </p:notesMasterIdLst>
   <p:handoutMasterIdLst>
-    <p:handoutMasterId r:id="rId28"/>
+    <p:handoutMasterId r:id="rId27"/>
   </p:handoutMasterIdLst>
   <p:sldIdLst>
     <p:sldId id="256" r:id="rId2"/>
@@ -16,31 +16,30 @@
     <p:sldId id="724" r:id="rId4"/>
     <p:sldId id="258" r:id="rId5"/>
     <p:sldId id="276" r:id="rId6"/>
-    <p:sldId id="277" r:id="rId7"/>
-    <p:sldId id="259" r:id="rId8"/>
+    <p:sldId id="259" r:id="rId7"/>
+    <p:sldId id="285" r:id="rId8"/>
     <p:sldId id="283" r:id="rId9"/>
     <p:sldId id="261" r:id="rId10"/>
-    <p:sldId id="282" r:id="rId11"/>
-    <p:sldId id="280" r:id="rId12"/>
+    <p:sldId id="280" r:id="rId11"/>
+    <p:sldId id="282" r:id="rId12"/>
     <p:sldId id="262" r:id="rId13"/>
     <p:sldId id="281" r:id="rId14"/>
-    <p:sldId id="285" r:id="rId15"/>
-    <p:sldId id="273" r:id="rId16"/>
-    <p:sldId id="269" r:id="rId17"/>
-    <p:sldId id="264" r:id="rId18"/>
-    <p:sldId id="265" r:id="rId19"/>
-    <p:sldId id="272" r:id="rId20"/>
-    <p:sldId id="279" r:id="rId21"/>
-    <p:sldId id="725" r:id="rId22"/>
-    <p:sldId id="726" r:id="rId23"/>
-    <p:sldId id="727" r:id="rId24"/>
-    <p:sldId id="728" r:id="rId25"/>
-    <p:sldId id="729" r:id="rId26"/>
+    <p:sldId id="273" r:id="rId15"/>
+    <p:sldId id="269" r:id="rId16"/>
+    <p:sldId id="264" r:id="rId17"/>
+    <p:sldId id="265" r:id="rId18"/>
+    <p:sldId id="272" r:id="rId19"/>
+    <p:sldId id="279" r:id="rId20"/>
+    <p:sldId id="725" r:id="rId21"/>
+    <p:sldId id="726" r:id="rId22"/>
+    <p:sldId id="727" r:id="rId23"/>
+    <p:sldId id="728" r:id="rId24"/>
+    <p:sldId id="729" r:id="rId25"/>
   </p:sldIdLst>
   <p:sldSz cx="9144000" cy="6858000" type="screen4x3"/>
   <p:notesSz cx="7099300" cy="10234613"/>
   <p:custDataLst>
-    <p:tags r:id="rId29"/>
+    <p:tags r:id="rId28"/>
   </p:custDataLst>
   <p:defaultTextStyle>
     <a:defPPr>
@@ -1190,7 +1189,7 @@
             <a:fld id="{5A5E8039-E13B-4423-B29A-A285F0C29163}" type="slidenum">
               <a:rPr lang="en-US"/>
               <a:pPr/>
-              <a:t>7</a:t>
+              <a:t>6</a:t>
             </a:fld>
             <a:endParaRPr lang="en-US"/>
           </a:p>
@@ -1403,7 +1402,7 @@
             <a:fld id="{E6C47E0B-2958-48CC-BA4E-C350203CF107}" type="slidenum">
               <a:rPr lang="en-US"/>
               <a:pPr/>
-              <a:t>15</a:t>
+              <a:t>14</a:t>
             </a:fld>
             <a:endParaRPr lang="en-US"/>
           </a:p>
@@ -1459,7 +1458,7 @@
             <a:fld id="{1ED71068-24EB-4D86-BDDE-721064523854}" type="slidenum">
               <a:rPr lang="en-US"/>
               <a:pPr/>
-              <a:t>17</a:t>
+              <a:t>16</a:t>
             </a:fld>
             <a:endParaRPr lang="en-US"/>
           </a:p>
@@ -1551,7 +1550,7 @@
             <a:fld id="{3E5B4483-D0B2-4AA0-91FF-AA1D9CB50E16}" type="slidenum">
               <a:rPr lang="en-US"/>
               <a:pPr/>
-              <a:t>18</a:t>
+              <a:t>17</a:t>
             </a:fld>
             <a:endParaRPr lang="en-US"/>
           </a:p>
@@ -1672,7 +1671,7 @@
             <a:fld id="{E6C47E0B-2958-48CC-BA4E-C350203CF107}" type="slidenum">
               <a:rPr lang="en-US" smtClean="0"/>
               <a:pPr/>
-              <a:t>19</a:t>
+              <a:t>18</a:t>
             </a:fld>
             <a:endParaRPr lang="en-US"/>
           </a:p>
@@ -4992,7 +4991,7 @@
           <p:cNvPr id="2" name="Title 1">
             <a:extLst>
               <a:ext uri="{FF2B5EF4-FFF2-40B4-BE49-F238E27FC236}">
-                <a16:creationId xmlns:a16="http://schemas.microsoft.com/office/drawing/2014/main" id="{E86BF88B-7054-9C4A-B392-C5FEE4F4690D}"/>
+                <a16:creationId xmlns:a16="http://schemas.microsoft.com/office/drawing/2014/main" id="{18F908AF-ED57-6140-9D9D-3E8173513CD8}"/>
               </a:ext>
             </a:extLst>
           </p:cNvPr>
@@ -5009,8 +5008,8 @@
           <a:lstStyle/>
           <a:p>
             <a:r>
-              <a:rPr lang="en-US"/>
-              <a:t>Exercise Platform</a:t>
+              <a:rPr lang="en-US" dirty="0"/>
+              <a:t>Project Evaluation</a:t>
             </a:r>
           </a:p>
         </p:txBody>
@@ -5020,7 +5019,7 @@
           <p:cNvPr id="3" name="Content Placeholder 2">
             <a:extLst>
               <a:ext uri="{FF2B5EF4-FFF2-40B4-BE49-F238E27FC236}">
-                <a16:creationId xmlns:a16="http://schemas.microsoft.com/office/drawing/2014/main" id="{927E38E2-5800-4946-BBBB-BEA722EDEDC0}"/>
+                <a16:creationId xmlns:a16="http://schemas.microsoft.com/office/drawing/2014/main" id="{7901C994-CBD1-D143-A987-A7E786B2133C}"/>
               </a:ext>
             </a:extLst>
           </p:cNvPr>
@@ -5036,48 +5035,162 @@
           <a:bodyPr/>
           <a:lstStyle/>
           <a:p>
-            <a:r>
-              <a:rPr lang="en-US" dirty="0"/>
-              <a:t>We will be using </a:t>
-            </a:r>
-            <a:r>
-              <a:rPr lang="en-US" b="1" dirty="0"/>
-              <a:t>Zoom</a:t>
-            </a:r>
-            <a:r>
-              <a:rPr lang="en-US" dirty="0"/>
-              <a:t> for communicating with assistants during exercises</a:t>
-            </a:r>
-          </a:p>
-          <a:p>
+            <a:pPr rtl="0" fontAlgn="base">
+              <a:spcBef>
+                <a:spcPts val="0"/>
+              </a:spcBef>
+              <a:spcAft>
+                <a:spcPts val="0"/>
+              </a:spcAft>
+            </a:pPr>
+            <a:r>
+              <a:rPr lang="en-GB" dirty="0"/>
+              <a:t>Results - Metrics   [Comparison with baselines]</a:t>
+            </a:r>
+          </a:p>
+          <a:p>
+            <a:pPr rtl="0" fontAlgn="base">
+              <a:spcBef>
+                <a:spcPts val="0"/>
+              </a:spcBef>
+              <a:spcAft>
+                <a:spcPts val="0"/>
+              </a:spcAft>
+            </a:pPr>
             <a:endParaRPr lang="en-GB" dirty="0"/>
           </a:p>
           <a:p>
-            <a:pPr indent="-285750"/>
+            <a:pPr rtl="0" fontAlgn="base">
+              <a:spcBef>
+                <a:spcPts val="0"/>
+              </a:spcBef>
+              <a:spcAft>
+                <a:spcPts val="0"/>
+              </a:spcAft>
+            </a:pPr>
             <a:r>
               <a:rPr lang="en-GB" dirty="0"/>
-              <a:t>Ed Forum to ask questions offline:</a:t>
-            </a:r>
-            <a:br>
+              <a:t>Code</a:t>
+            </a:r>
+          </a:p>
+          <a:p>
+            <a:pPr lvl="1">
+              <a:spcBef>
+                <a:spcPts val="0"/>
+              </a:spcBef>
+              <a:spcAft>
+                <a:spcPts val="0"/>
+              </a:spcAft>
+            </a:pPr>
+            <a:r>
+              <a:rPr lang="en-GB" sz="3200" dirty="0">
+                <a:ea typeface="+mn-ea"/>
+              </a:rPr>
+              <a:t>Working code</a:t>
+            </a:r>
+          </a:p>
+          <a:p>
+            <a:pPr lvl="1">
+              <a:spcBef>
+                <a:spcPts val="0"/>
+              </a:spcBef>
+              <a:spcAft>
+                <a:spcPts val="0"/>
+              </a:spcAft>
+            </a:pPr>
+            <a:r>
+              <a:rPr lang="en-GB" sz="3200" dirty="0">
+                <a:ea typeface="+mn-ea"/>
+              </a:rPr>
+              <a:t>Code quality and documentation</a:t>
+            </a:r>
+          </a:p>
+          <a:p>
+            <a:pPr rtl="0" fontAlgn="base">
+              <a:spcBef>
+                <a:spcPts val="0"/>
+              </a:spcBef>
+              <a:spcAft>
+                <a:spcPts val="0"/>
+              </a:spcAft>
+            </a:pPr>
+            <a:endParaRPr lang="en-GB" dirty="0"/>
+          </a:p>
+          <a:p>
+            <a:pPr rtl="0" fontAlgn="base">
+              <a:spcBef>
+                <a:spcPts val="0"/>
+              </a:spcBef>
+              <a:spcAft>
+                <a:spcPts val="0"/>
+              </a:spcAft>
+            </a:pPr>
+            <a:r>
               <a:rPr lang="en-GB" dirty="0"/>
-            </a:br>
-            <a:r>
-              <a:rPr lang="en-GB" dirty="0">
-                <a:hlinkClick r:id="rId2"/>
+              <a:t>2-page Report   [Moodle submission]</a:t>
+            </a:r>
+          </a:p>
+          <a:p>
+            <a:pPr lvl="1">
+              <a:spcBef>
+                <a:spcPts val="0"/>
+              </a:spcBef>
+              <a:spcAft>
+                <a:spcPts val="0"/>
+              </a:spcAft>
+            </a:pPr>
+            <a:r>
+              <a:rPr lang="en-GB" sz="3200" dirty="0">
+                <a:ea typeface="+mn-ea"/>
               </a:rPr>
-              <a:t>https://edstem.org/eu/courses/90/discussion/</a:t>
-            </a:r>
+              <a:t>Originality of approach</a:t>
+            </a:r>
+          </a:p>
+          <a:p>
+            <a:pPr lvl="1">
+              <a:spcBef>
+                <a:spcPts val="0"/>
+              </a:spcBef>
+              <a:spcAft>
+                <a:spcPts val="0"/>
+              </a:spcAft>
+            </a:pPr>
+            <a:r>
+              <a:rPr lang="en-GB" sz="3200" dirty="0">
+                <a:ea typeface="+mn-ea"/>
+              </a:rPr>
+              <a:t>Interpretation of results</a:t>
+            </a:r>
+          </a:p>
+          <a:p>
+            <a:pPr lvl="1">
+              <a:spcBef>
+                <a:spcPts val="0"/>
+              </a:spcBef>
+              <a:spcAft>
+                <a:spcPts val="0"/>
+              </a:spcAft>
+            </a:pPr>
+            <a:r>
+              <a:rPr lang="en-GB" sz="3200" dirty="0">
+                <a:ea typeface="+mn-ea"/>
+              </a:rPr>
+              <a:t>Presentation</a:t>
+            </a:r>
+          </a:p>
+          <a:p>
+            <a:pPr marL="342900" indent="-342900" eaLnBrk="1" hangingPunct="1">
+              <a:buFontTx/>
+              <a:buChar char="-"/>
+            </a:pPr>
             <a:endParaRPr lang="en-US" dirty="0"/>
           </a:p>
           <a:p>
-            <a:pPr marL="457200" indent="-457200">
-              <a:buFont typeface="Arial" panose="020B0604020202020204" pitchFamily="34" charset="0"/>
-              <a:buChar char="•"/>
+            <a:pPr marL="342900" indent="-342900" eaLnBrk="1" hangingPunct="1">
+              <a:buFontTx/>
+              <a:buChar char="-"/>
             </a:pPr>
-            <a:r>
-              <a:rPr lang="en-GB" dirty="0"/>
-              <a:t>Both among students and with assistants</a:t>
-            </a:r>
+            <a:endParaRPr lang="en-US" dirty="0"/>
           </a:p>
         </p:txBody>
       </p:sp>
@@ -5086,7 +5199,7 @@
           <p:cNvPr id="4" name="Footer Placeholder 3">
             <a:extLst>
               <a:ext uri="{FF2B5EF4-FFF2-40B4-BE49-F238E27FC236}">
-                <a16:creationId xmlns:a16="http://schemas.microsoft.com/office/drawing/2014/main" id="{16A4117F-2B53-4045-A563-19FB3F100D4F}"/>
+                <a16:creationId xmlns:a16="http://schemas.microsoft.com/office/drawing/2014/main" id="{2BCC2FA4-C78B-CA4E-80C8-5BD3BF6F6410}"/>
               </a:ext>
             </a:extLst>
           </p:cNvPr>
@@ -5113,7 +5226,7 @@
     </p:spTree>
     <p:extLst>
       <p:ext uri="{BB962C8B-B14F-4D97-AF65-F5344CB8AC3E}">
-        <p14:creationId xmlns:p14="http://schemas.microsoft.com/office/powerpoint/2010/main" val="297018010"/>
+        <p14:creationId xmlns:p14="http://schemas.microsoft.com/office/powerpoint/2010/main" val="3358699272"/>
       </p:ext>
     </p:extLst>
   </p:cSld>
@@ -5145,7 +5258,7 @@
           <p:cNvPr id="2" name="Title 1">
             <a:extLst>
               <a:ext uri="{FF2B5EF4-FFF2-40B4-BE49-F238E27FC236}">
-                <a16:creationId xmlns:a16="http://schemas.microsoft.com/office/drawing/2014/main" id="{18F908AF-ED57-6140-9D9D-3E8173513CD8}"/>
+                <a16:creationId xmlns:a16="http://schemas.microsoft.com/office/drawing/2014/main" id="{E86BF88B-7054-9C4A-B392-C5FEE4F4690D}"/>
               </a:ext>
             </a:extLst>
           </p:cNvPr>
@@ -5162,8 +5275,8 @@
           <a:lstStyle/>
           <a:p>
             <a:r>
-              <a:rPr lang="en-US" dirty="0"/>
-              <a:t>Project Evaluation</a:t>
+              <a:rPr lang="en-US"/>
+              <a:t>Exercise Platform</a:t>
             </a:r>
           </a:p>
         </p:txBody>
@@ -5173,7 +5286,7 @@
           <p:cNvPr id="3" name="Content Placeholder 2">
             <a:extLst>
               <a:ext uri="{FF2B5EF4-FFF2-40B4-BE49-F238E27FC236}">
-                <a16:creationId xmlns:a16="http://schemas.microsoft.com/office/drawing/2014/main" id="{7901C994-CBD1-D143-A987-A7E786B2133C}"/>
+                <a16:creationId xmlns:a16="http://schemas.microsoft.com/office/drawing/2014/main" id="{927E38E2-5800-4946-BBBB-BEA722EDEDC0}"/>
               </a:ext>
             </a:extLst>
           </p:cNvPr>
@@ -5189,32 +5302,31 @@
           <a:bodyPr/>
           <a:lstStyle/>
           <a:p>
-            <a:pPr marL="342900" indent="-342900" eaLnBrk="1" hangingPunct="1">
-              <a:buFontTx/>
-              <a:buChar char="-"/>
+            <a:pPr indent="-285750"/>
+            <a:r>
+              <a:rPr lang="en-GB" dirty="0"/>
+              <a:t>Ed Forum to ask questions offline:</a:t>
+            </a:r>
+            <a:br>
+              <a:rPr lang="en-GB" dirty="0"/>
+            </a:br>
+            <a:r>
+              <a:rPr lang="en-GB" dirty="0">
+                <a:hlinkClick r:id="rId2"/>
+              </a:rPr>
+              <a:t>https://edstem.org/eu/courses/90/discussion/</a:t>
+            </a:r>
+            <a:endParaRPr lang="en-US" dirty="0"/>
+          </a:p>
+          <a:p>
+            <a:pPr marL="457200" indent="-457200">
+              <a:buFont typeface="Arial" panose="020B0604020202020204" pitchFamily="34" charset="0"/>
+              <a:buChar char="•"/>
             </a:pPr>
-            <a:endParaRPr lang="en-US" dirty="0"/>
-          </a:p>
-          <a:p>
-            <a:pPr eaLnBrk="1" hangingPunct="1"/>
-            <a:r>
-              <a:rPr lang="en-US" dirty="0"/>
-              <a:t>Will be graded</a:t>
-            </a:r>
-          </a:p>
-          <a:p>
-            <a:pPr marL="342900" indent="-342900" eaLnBrk="1" hangingPunct="1">
-              <a:buFontTx/>
-              <a:buChar char="-"/>
-            </a:pPr>
-            <a:endParaRPr lang="en-US" dirty="0"/>
-          </a:p>
-          <a:p>
-            <a:pPr marL="342900" indent="-342900" eaLnBrk="1" hangingPunct="1">
-              <a:buFontTx/>
-              <a:buChar char="-"/>
-            </a:pPr>
-            <a:endParaRPr lang="en-US" dirty="0"/>
+            <a:r>
+              <a:rPr lang="en-GB" dirty="0"/>
+              <a:t>Both among students and with assistants</a:t>
+            </a:r>
           </a:p>
         </p:txBody>
       </p:sp>
@@ -5223,7 +5335,7 @@
           <p:cNvPr id="4" name="Footer Placeholder 3">
             <a:extLst>
               <a:ext uri="{FF2B5EF4-FFF2-40B4-BE49-F238E27FC236}">
-                <a16:creationId xmlns:a16="http://schemas.microsoft.com/office/drawing/2014/main" id="{2BCC2FA4-C78B-CA4E-80C8-5BD3BF6F6410}"/>
+                <a16:creationId xmlns:a16="http://schemas.microsoft.com/office/drawing/2014/main" id="{16A4117F-2B53-4045-A563-19FB3F100D4F}"/>
               </a:ext>
             </a:extLst>
           </p:cNvPr>
@@ -5250,7 +5362,7 @@
     </p:spTree>
     <p:extLst>
       <p:ext uri="{BB962C8B-B14F-4D97-AF65-F5344CB8AC3E}">
-        <p14:creationId xmlns:p14="http://schemas.microsoft.com/office/powerpoint/2010/main" val="3358699272"/>
+        <p14:creationId xmlns:p14="http://schemas.microsoft.com/office/powerpoint/2010/main" val="297018010"/>
       </p:ext>
     </p:extLst>
   </p:cSld>
@@ -5572,151 +5684,6 @@
 </file>
 
 <file path=ppt/slides/slide14.xml><?xml version="1.0" encoding="utf-8"?>
-<p:sld xmlns:a="http://schemas.openxmlformats.org/drawingml/2006/main" xmlns:r="http://schemas.openxmlformats.org/officeDocument/2006/relationships" xmlns:p="http://schemas.openxmlformats.org/presentationml/2006/main">
-  <p:cSld>
-    <p:spTree>
-      <p:nvGrpSpPr>
-        <p:cNvPr id="1" name=""/>
-        <p:cNvGrpSpPr/>
-        <p:nvPr/>
-      </p:nvGrpSpPr>
-      <p:grpSpPr>
-        <a:xfrm>
-          <a:off x="0" y="0"/>
-          <a:ext cx="0" cy="0"/>
-          <a:chOff x="0" y="0"/>
-          <a:chExt cx="0" cy="0"/>
-        </a:xfrm>
-      </p:grpSpPr>
-      <p:sp>
-        <p:nvSpPr>
-          <p:cNvPr id="2" name="Title 1">
-            <a:extLst>
-              <a:ext uri="{FF2B5EF4-FFF2-40B4-BE49-F238E27FC236}">
-                <a16:creationId xmlns:a16="http://schemas.microsoft.com/office/drawing/2014/main" id="{B72F80CC-1914-B74A-B08F-F3EE2EF4A98D}"/>
-              </a:ext>
-            </a:extLst>
-          </p:cNvPr>
-          <p:cNvSpPr>
-            <a:spLocks noGrp="1"/>
-          </p:cNvSpPr>
-          <p:nvPr>
-            <p:ph type="title"/>
-          </p:nvPr>
-        </p:nvSpPr>
-        <p:spPr/>
-        <p:txBody>
-          <a:bodyPr/>
-          <a:lstStyle/>
-          <a:p>
-            <a:r>
-              <a:rPr lang="en-US" dirty="0"/>
-              <a:t>Are you planning to join the lecture live or virtually?</a:t>
-            </a:r>
-          </a:p>
-        </p:txBody>
-      </p:sp>
-      <p:sp>
-        <p:nvSpPr>
-          <p:cNvPr id="3" name="Content Placeholder 2">
-            <a:extLst>
-              <a:ext uri="{FF2B5EF4-FFF2-40B4-BE49-F238E27FC236}">
-                <a16:creationId xmlns:a16="http://schemas.microsoft.com/office/drawing/2014/main" id="{02CBEDBB-DB9B-724B-A3AD-F555D8CC1B34}"/>
-              </a:ext>
-            </a:extLst>
-          </p:cNvPr>
-          <p:cNvSpPr>
-            <a:spLocks noGrp="1"/>
-          </p:cNvSpPr>
-          <p:nvPr>
-            <p:ph idx="1"/>
-          </p:nvPr>
-        </p:nvSpPr>
-        <p:spPr/>
-        <p:txBody>
-          <a:bodyPr/>
-          <a:lstStyle/>
-          <a:p>
-            <a:pPr marL="514350" indent="-514350">
-              <a:buAutoNum type="arabicPeriod"/>
-            </a:pPr>
-            <a:r>
-              <a:rPr lang="en-US" dirty="0"/>
-              <a:t>I join live today, and plan to continue live</a:t>
-            </a:r>
-          </a:p>
-          <a:p>
-            <a:pPr marL="514350" indent="-514350">
-              <a:buAutoNum type="arabicPeriod"/>
-            </a:pPr>
-            <a:r>
-              <a:rPr lang="en-US" dirty="0"/>
-              <a:t>I join live today, but plan to join virtually</a:t>
-            </a:r>
-          </a:p>
-          <a:p>
-            <a:pPr marL="514350" indent="-514350">
-              <a:buAutoNum type="arabicPeriod"/>
-            </a:pPr>
-            <a:r>
-              <a:rPr lang="en-US" dirty="0"/>
-              <a:t>I join virtually today, and plan to continue virtually</a:t>
-            </a:r>
-          </a:p>
-          <a:p>
-            <a:pPr marL="514350" indent="-514350">
-              <a:buAutoNum type="arabicPeriod"/>
-            </a:pPr>
-            <a:r>
-              <a:rPr lang="en-US" dirty="0"/>
-              <a:t>I join virtually today, but plan to join live</a:t>
-            </a:r>
-          </a:p>
-        </p:txBody>
-      </p:sp>
-      <p:sp>
-        <p:nvSpPr>
-          <p:cNvPr id="4" name="Footer Placeholder 3">
-            <a:extLst>
-              <a:ext uri="{FF2B5EF4-FFF2-40B4-BE49-F238E27FC236}">
-                <a16:creationId xmlns:a16="http://schemas.microsoft.com/office/drawing/2014/main" id="{AF9E53E3-7B91-D749-AD1A-7363D57F0309}"/>
-              </a:ext>
-            </a:extLst>
-          </p:cNvPr>
-          <p:cNvSpPr>
-            <a:spLocks noGrp="1"/>
-          </p:cNvSpPr>
-          <p:nvPr>
-            <p:ph type="ftr" sz="quarter" idx="10"/>
-          </p:nvPr>
-        </p:nvSpPr>
-        <p:spPr/>
-        <p:txBody>
-          <a:bodyPr/>
-          <a:lstStyle/>
-          <a:p>
-            <a:r>
-              <a:rPr lang="fr-CH"/>
-              <a:t>©2023, Karl Aberer, EPFL-IC, Laboratoire de systèmes d'informations répartis </a:t>
-            </a:r>
-            <a:endParaRPr lang="en-GB" dirty="0"/>
-          </a:p>
-        </p:txBody>
-      </p:sp>
-    </p:spTree>
-    <p:extLst>
-      <p:ext uri="{BB962C8B-B14F-4D97-AF65-F5344CB8AC3E}">
-        <p14:creationId xmlns:p14="http://schemas.microsoft.com/office/powerpoint/2010/main" val="3877780305"/>
-      </p:ext>
-    </p:extLst>
-  </p:cSld>
-  <p:clrMapOvr>
-    <a:masterClrMapping/>
-  </p:clrMapOvr>
-</p:sld>
-</file>
-
-<file path=ppt/slides/slide15.xml><?xml version="1.0" encoding="utf-8"?>
 <p:sld xmlns:a="http://schemas.openxmlformats.org/drawingml/2006/main" xmlns:r="http://schemas.openxmlformats.org/officeDocument/2006/relationships" xmlns:p="http://schemas.openxmlformats.org/presentationml/2006/main">
   <p:cSld>
     <p:spTree>
@@ -9773,7 +9740,7 @@
 </p:sld>
 </file>
 
-<file path=ppt/slides/slide16.xml><?xml version="1.0" encoding="utf-8"?>
+<file path=ppt/slides/slide15.xml><?xml version="1.0" encoding="utf-8"?>
 <p:sld xmlns:a="http://schemas.openxmlformats.org/drawingml/2006/main" xmlns:r="http://schemas.openxmlformats.org/officeDocument/2006/relationships" xmlns:p="http://schemas.openxmlformats.org/presentationml/2006/main">
   <p:cSld>
     <p:spTree>
@@ -9873,7 +9840,7 @@
 </p:sld>
 </file>
 
-<file path=ppt/slides/slide17.xml><?xml version="1.0" encoding="utf-8"?>
+<file path=ppt/slides/slide16.xml><?xml version="1.0" encoding="utf-8"?>
 <p:sld xmlns:a="http://schemas.openxmlformats.org/drawingml/2006/main" xmlns:r="http://schemas.openxmlformats.org/officeDocument/2006/relationships" xmlns:p="http://schemas.openxmlformats.org/presentationml/2006/main">
   <p:cSld>
     <p:spTree>
@@ -10120,7 +10087,7 @@
 </p:sld>
 </file>
 
-<file path=ppt/slides/slide18.xml><?xml version="1.0" encoding="utf-8"?>
+<file path=ppt/slides/slide17.xml><?xml version="1.0" encoding="utf-8"?>
 <p:sld xmlns:a="http://schemas.openxmlformats.org/drawingml/2006/main" xmlns:r="http://schemas.openxmlformats.org/officeDocument/2006/relationships" xmlns:p="http://schemas.openxmlformats.org/presentationml/2006/main">
   <p:cSld>
     <p:spTree>
@@ -10340,7 +10307,7 @@
 </p:sld>
 </file>
 
-<file path=ppt/slides/slide19.xml><?xml version="1.0" encoding="utf-8"?>
+<file path=ppt/slides/slide18.xml><?xml version="1.0" encoding="utf-8"?>
 <p:sld xmlns:a="http://schemas.openxmlformats.org/drawingml/2006/main" xmlns:r="http://schemas.openxmlformats.org/officeDocument/2006/relationships" xmlns:p="http://schemas.openxmlformats.org/presentationml/2006/main">
   <p:cSld>
     <p:spTree>
@@ -10530,6 +10497,118 @@
 </p:sld>
 </file>
 
+<file path=ppt/slides/slide19.xml><?xml version="1.0" encoding="utf-8"?>
+<p:sld xmlns:a="http://schemas.openxmlformats.org/drawingml/2006/main" xmlns:r="http://schemas.openxmlformats.org/officeDocument/2006/relationships" xmlns:p="http://schemas.openxmlformats.org/presentationml/2006/main">
+  <p:cSld>
+    <p:spTree>
+      <p:nvGrpSpPr>
+        <p:cNvPr id="1" name=""/>
+        <p:cNvGrpSpPr/>
+        <p:nvPr/>
+      </p:nvGrpSpPr>
+      <p:grpSpPr>
+        <a:xfrm>
+          <a:off x="0" y="0"/>
+          <a:ext cx="0" cy="0"/>
+          <a:chOff x="0" y="0"/>
+          <a:chExt cx="0" cy="0"/>
+        </a:xfrm>
+      </p:grpSpPr>
+      <p:sp>
+        <p:nvSpPr>
+          <p:cNvPr id="2" name="Title 1">
+            <a:extLst>
+              <a:ext uri="{FF2B5EF4-FFF2-40B4-BE49-F238E27FC236}">
+                <a16:creationId xmlns:a16="http://schemas.microsoft.com/office/drawing/2014/main" id="{A5F00979-4173-FD4E-8503-7B714243740D}"/>
+              </a:ext>
+            </a:extLst>
+          </p:cNvPr>
+          <p:cNvSpPr>
+            <a:spLocks noGrp="1"/>
+          </p:cNvSpPr>
+          <p:nvPr>
+            <p:ph type="title"/>
+          </p:nvPr>
+        </p:nvSpPr>
+        <p:spPr/>
+        <p:txBody>
+          <a:bodyPr/>
+          <a:lstStyle/>
+          <a:p>
+            <a:r>
+              <a:rPr lang="en-US" dirty="0"/>
+              <a:t>Exam Date</a:t>
+            </a:r>
+          </a:p>
+        </p:txBody>
+      </p:sp>
+      <p:sp>
+        <p:nvSpPr>
+          <p:cNvPr id="3" name="Content Placeholder 2">
+            <a:extLst>
+              <a:ext uri="{FF2B5EF4-FFF2-40B4-BE49-F238E27FC236}">
+                <a16:creationId xmlns:a16="http://schemas.microsoft.com/office/drawing/2014/main" id="{688ECA6D-88C7-E34E-97F9-6566F4153B17}"/>
+              </a:ext>
+            </a:extLst>
+          </p:cNvPr>
+          <p:cNvSpPr>
+            <a:spLocks noGrp="1"/>
+          </p:cNvSpPr>
+          <p:nvPr>
+            <p:ph idx="1"/>
+          </p:nvPr>
+        </p:nvSpPr>
+        <p:spPr/>
+        <p:txBody>
+          <a:bodyPr/>
+          <a:lstStyle/>
+          <a:p>
+            <a:endParaRPr lang="en-US" dirty="0"/>
+          </a:p>
+        </p:txBody>
+      </p:sp>
+      <p:sp>
+        <p:nvSpPr>
+          <p:cNvPr id="4" name="Footer Placeholder 3">
+            <a:extLst>
+              <a:ext uri="{FF2B5EF4-FFF2-40B4-BE49-F238E27FC236}">
+                <a16:creationId xmlns:a16="http://schemas.microsoft.com/office/drawing/2014/main" id="{65A3CB65-6CFD-C743-A9FA-01BFD77BAA3A}"/>
+              </a:ext>
+            </a:extLst>
+          </p:cNvPr>
+          <p:cNvSpPr>
+            <a:spLocks noGrp="1"/>
+          </p:cNvSpPr>
+          <p:nvPr>
+            <p:ph type="ftr" sz="quarter" idx="10"/>
+          </p:nvPr>
+        </p:nvSpPr>
+        <p:spPr/>
+        <p:txBody>
+          <a:bodyPr/>
+          <a:lstStyle/>
+          <a:p>
+            <a:r>
+              <a:rPr lang="fr-CH"/>
+              <a:t>©2023, Karl Aberer, EPFL-IC, Laboratoire de systèmes d'informations répartis </a:t>
+            </a:r>
+            <a:endParaRPr lang="en-GB" dirty="0"/>
+          </a:p>
+        </p:txBody>
+      </p:sp>
+    </p:spTree>
+    <p:extLst>
+      <p:ext uri="{BB962C8B-B14F-4D97-AF65-F5344CB8AC3E}">
+        <p14:creationId xmlns:p14="http://schemas.microsoft.com/office/powerpoint/2010/main" val="1039921630"/>
+      </p:ext>
+    </p:extLst>
+  </p:cSld>
+  <p:clrMapOvr>
+    <a:masterClrMapping/>
+  </p:clrMapOvr>
+</p:sld>
+</file>
+
 <file path=ppt/slides/slide2.xml><?xml version="1.0" encoding="utf-8"?>
 <p:sld xmlns:a="http://schemas.openxmlformats.org/drawingml/2006/main" xmlns:r="http://schemas.openxmlformats.org/officeDocument/2006/relationships" xmlns:p="http://schemas.openxmlformats.org/presentationml/2006/main">
   <p:cSld>
@@ -10699,7 +10778,7 @@
             </a:r>
             <a:r>
               <a:rPr lang="en-US" sz="2800" b="1" dirty="0"/>
-              <a:t>common techniques</a:t>
+              <a:t>common methods</a:t>
             </a:r>
             <a:r>
               <a:rPr lang="en-US" sz="2800" dirty="0"/>
@@ -11272,118 +11351,6 @@
       </p:grpSpPr>
       <p:sp>
         <p:nvSpPr>
-          <p:cNvPr id="2" name="Title 1">
-            <a:extLst>
-              <a:ext uri="{FF2B5EF4-FFF2-40B4-BE49-F238E27FC236}">
-                <a16:creationId xmlns:a16="http://schemas.microsoft.com/office/drawing/2014/main" id="{A5F00979-4173-FD4E-8503-7B714243740D}"/>
-              </a:ext>
-            </a:extLst>
-          </p:cNvPr>
-          <p:cNvSpPr>
-            <a:spLocks noGrp="1"/>
-          </p:cNvSpPr>
-          <p:nvPr>
-            <p:ph type="title"/>
-          </p:nvPr>
-        </p:nvSpPr>
-        <p:spPr/>
-        <p:txBody>
-          <a:bodyPr/>
-          <a:lstStyle/>
-          <a:p>
-            <a:r>
-              <a:rPr lang="en-US" dirty="0"/>
-              <a:t>Exam Date</a:t>
-            </a:r>
-          </a:p>
-        </p:txBody>
-      </p:sp>
-      <p:sp>
-        <p:nvSpPr>
-          <p:cNvPr id="3" name="Content Placeholder 2">
-            <a:extLst>
-              <a:ext uri="{FF2B5EF4-FFF2-40B4-BE49-F238E27FC236}">
-                <a16:creationId xmlns:a16="http://schemas.microsoft.com/office/drawing/2014/main" id="{688ECA6D-88C7-E34E-97F9-6566F4153B17}"/>
-              </a:ext>
-            </a:extLst>
-          </p:cNvPr>
-          <p:cNvSpPr>
-            <a:spLocks noGrp="1"/>
-          </p:cNvSpPr>
-          <p:nvPr>
-            <p:ph idx="1"/>
-          </p:nvPr>
-        </p:nvSpPr>
-        <p:spPr/>
-        <p:txBody>
-          <a:bodyPr/>
-          <a:lstStyle/>
-          <a:p>
-            <a:endParaRPr lang="en-US" dirty="0"/>
-          </a:p>
-        </p:txBody>
-      </p:sp>
-      <p:sp>
-        <p:nvSpPr>
-          <p:cNvPr id="4" name="Footer Placeholder 3">
-            <a:extLst>
-              <a:ext uri="{FF2B5EF4-FFF2-40B4-BE49-F238E27FC236}">
-                <a16:creationId xmlns:a16="http://schemas.microsoft.com/office/drawing/2014/main" id="{65A3CB65-6CFD-C743-A9FA-01BFD77BAA3A}"/>
-              </a:ext>
-            </a:extLst>
-          </p:cNvPr>
-          <p:cNvSpPr>
-            <a:spLocks noGrp="1"/>
-          </p:cNvSpPr>
-          <p:nvPr>
-            <p:ph type="ftr" sz="quarter" idx="10"/>
-          </p:nvPr>
-        </p:nvSpPr>
-        <p:spPr/>
-        <p:txBody>
-          <a:bodyPr/>
-          <a:lstStyle/>
-          <a:p>
-            <a:r>
-              <a:rPr lang="fr-CH"/>
-              <a:t>©2023, Karl Aberer, EPFL-IC, Laboratoire de systèmes d'informations répartis </a:t>
-            </a:r>
-            <a:endParaRPr lang="en-GB" dirty="0"/>
-          </a:p>
-        </p:txBody>
-      </p:sp>
-    </p:spTree>
-    <p:extLst>
-      <p:ext uri="{BB962C8B-B14F-4D97-AF65-F5344CB8AC3E}">
-        <p14:creationId xmlns:p14="http://schemas.microsoft.com/office/powerpoint/2010/main" val="1039921630"/>
-      </p:ext>
-    </p:extLst>
-  </p:cSld>
-  <p:clrMapOvr>
-    <a:masterClrMapping/>
-  </p:clrMapOvr>
-</p:sld>
-</file>
-
-<file path=ppt/slides/slide21.xml><?xml version="1.0" encoding="utf-8"?>
-<p:sld xmlns:a="http://schemas.openxmlformats.org/drawingml/2006/main" xmlns:r="http://schemas.openxmlformats.org/officeDocument/2006/relationships" xmlns:p="http://schemas.openxmlformats.org/presentationml/2006/main">
-  <p:cSld>
-    <p:spTree>
-      <p:nvGrpSpPr>
-        <p:cNvPr id="1" name=""/>
-        <p:cNvGrpSpPr/>
-        <p:nvPr/>
-      </p:nvGrpSpPr>
-      <p:grpSpPr>
-        <a:xfrm>
-          <a:off x="0" y="0"/>
-          <a:ext cx="0" cy="0"/>
-          <a:chOff x="0" y="0"/>
-          <a:chExt cx="0" cy="0"/>
-        </a:xfrm>
-      </p:grpSpPr>
-      <p:sp>
-        <p:nvSpPr>
           <p:cNvPr id="10" name="Title 1">
             <a:extLst>
               <a:ext uri="{FF2B5EF4-FFF2-40B4-BE49-F238E27FC236}">
@@ -12668,7 +12635,7 @@
 </p:sld>
 </file>
 
-<file path=ppt/slides/slide22.xml><?xml version="1.0" encoding="utf-8"?>
+<file path=ppt/slides/slide21.xml><?xml version="1.0" encoding="utf-8"?>
 <p:sld xmlns:a="http://schemas.openxmlformats.org/drawingml/2006/main" xmlns:r="http://schemas.openxmlformats.org/officeDocument/2006/relationships" xmlns:p="http://schemas.openxmlformats.org/presentationml/2006/main">
   <p:cSld>
     <p:spTree>
@@ -13144,7 +13111,7 @@
 </p:sld>
 </file>
 
-<file path=ppt/slides/slide23.xml><?xml version="1.0" encoding="utf-8"?>
+<file path=ppt/slides/slide22.xml><?xml version="1.0" encoding="utf-8"?>
 <p:sld xmlns:a="http://schemas.openxmlformats.org/drawingml/2006/main" xmlns:r="http://schemas.openxmlformats.org/officeDocument/2006/relationships" xmlns:p="http://schemas.openxmlformats.org/presentationml/2006/main">
   <p:cSld>
     <p:spTree>
@@ -14474,7 +14441,7 @@
 </p:sld>
 </file>
 
-<file path=ppt/slides/slide24.xml><?xml version="1.0" encoding="utf-8"?>
+<file path=ppt/slides/slide23.xml><?xml version="1.0" encoding="utf-8"?>
 <p:sld xmlns:a="http://schemas.openxmlformats.org/drawingml/2006/main" xmlns:r="http://schemas.openxmlformats.org/officeDocument/2006/relationships" xmlns:p="http://schemas.openxmlformats.org/presentationml/2006/main">
   <p:cSld>
     <p:spTree>
@@ -15090,7 +15057,7 @@
 </p:sld>
 </file>
 
-<file path=ppt/slides/slide25.xml><?xml version="1.0" encoding="utf-8"?>
+<file path=ppt/slides/slide24.xml><?xml version="1.0" encoding="utf-8"?>
 <p:sld xmlns:a="http://schemas.openxmlformats.org/drawingml/2006/main" xmlns:r="http://schemas.openxmlformats.org/officeDocument/2006/relationships" xmlns:p="http://schemas.openxmlformats.org/presentationml/2006/main">
   <p:cSld>
     <p:spTree>
@@ -16612,9 +16579,34 @@
       </p:grpSpPr>
       <p:sp>
         <p:nvSpPr>
-          <p:cNvPr id="13313" name="TPQuestion" title="Question Text"/>
+          <p:cNvPr id="14338" name="Footer Placeholder 3"/>
           <p:cNvSpPr>
             <a:spLocks noGrp="1"/>
+          </p:cNvSpPr>
+          <p:nvPr>
+            <p:ph type="ftr" sz="quarter" idx="10"/>
+          </p:nvPr>
+        </p:nvSpPr>
+        <p:spPr>
+          <a:noFill/>
+        </p:spPr>
+        <p:txBody>
+          <a:bodyPr/>
+          <a:lstStyle/>
+          <a:p>
+            <a:r>
+              <a:rPr lang="fr-CH"/>
+              <a:t>©2023, Karl Aberer, EPFL-IC, Laboratoire de systèmes d'informations répartis </a:t>
+            </a:r>
+            <a:endParaRPr lang="en-GB" dirty="0"/>
+          </a:p>
+        </p:txBody>
+      </p:sp>
+      <p:sp>
+        <p:nvSpPr>
+          <p:cNvPr id="14339" name="Rectangle 2"/>
+          <p:cNvSpPr>
+            <a:spLocks noGrp="1" noChangeArrowheads="1"/>
           </p:cNvSpPr>
           <p:nvPr>
             <p:ph type="title"/>
@@ -16625,68 +16617,22 @@
           <a:bodyPr/>
           <a:lstStyle/>
           <a:p>
-            <a:r>
-              <a:rPr lang="en-US" altLang="en-US" dirty="0">
-                <a:ea typeface="MS PGothic" charset="-128"/>
-              </a:rPr>
-              <a:t>Did you take Applied Data Analysis?</a:t>
+            <a:pPr eaLnBrk="1" hangingPunct="1"/>
+            <a:r>
+              <a:rPr lang="en-US"/>
+              <a:t>The Course - Lecture</a:t>
             </a:r>
           </a:p>
         </p:txBody>
       </p:sp>
       <p:sp>
         <p:nvSpPr>
-          <p:cNvPr id="13314" name="TPAnswers" title="Answer Text"/>
+          <p:cNvPr id="14340" name="Rectangle 3"/>
           <p:cNvSpPr>
-            <a:spLocks noGrp="1"/>
+            <a:spLocks noGrp="1" noChangeArrowheads="1"/>
           </p:cNvSpPr>
           <p:nvPr>
-            <p:ph idx="1"/>
-            <p:custDataLst>
-              <p:tags r:id="rId2"/>
-            </p:custDataLst>
-          </p:nvPr>
-        </p:nvSpPr>
-        <p:spPr/>
-        <p:txBody>
-          <a:bodyPr>
-            <a:normAutofit/>
-          </a:bodyPr>
-          <a:lstStyle/>
-          <a:p>
-            <a:pPr marL="514350" indent="-514350">
-              <a:buAutoNum type="arabicPeriod"/>
-            </a:pPr>
-            <a:r>
-              <a:rPr lang="en-US" dirty="0"/>
-              <a:t>Yes</a:t>
-            </a:r>
-          </a:p>
-          <a:p>
-            <a:pPr marL="514350" indent="-514350">
-              <a:buAutoNum type="arabicPeriod"/>
-            </a:pPr>
-            <a:r>
-              <a:rPr lang="en-US" dirty="0"/>
-              <a:t>No</a:t>
-            </a:r>
-          </a:p>
-        </p:txBody>
-      </p:sp>
-      <p:sp>
-        <p:nvSpPr>
-          <p:cNvPr id="2" name="Footer Placeholder 1">
-            <a:extLst>
-              <a:ext uri="{FF2B5EF4-FFF2-40B4-BE49-F238E27FC236}">
-                <a16:creationId xmlns:a16="http://schemas.microsoft.com/office/drawing/2014/main" id="{6EA37BC9-2682-EC4C-A446-BC12DA98E345}"/>
-              </a:ext>
-            </a:extLst>
-          </p:cNvPr>
-          <p:cNvSpPr>
-            <a:spLocks noGrp="1"/>
-          </p:cNvSpPr>
-          <p:nvPr>
-            <p:ph type="ftr" sz="quarter" idx="10"/>
+            <p:ph type="body" idx="1"/>
           </p:nvPr>
         </p:nvSpPr>
         <p:spPr/>
@@ -16694,20 +16640,90 @@
           <a:bodyPr/>
           <a:lstStyle/>
           <a:p>
-            <a:pPr>
-              <a:defRPr/>
+            <a:pPr eaLnBrk="1" hangingPunct="1"/>
+            <a:r>
+              <a:rPr lang="en-US" dirty="0"/>
+              <a:t>Standard online ex cathedra lecture</a:t>
+            </a:r>
+          </a:p>
+          <a:p>
+            <a:pPr lvl="1" eaLnBrk="1" hangingPunct="1"/>
+            <a:r>
+              <a:rPr lang="en-US" dirty="0"/>
+              <a:t>Lecture streamed via Zoom</a:t>
+            </a:r>
+          </a:p>
+          <a:p>
+            <a:pPr lvl="2"/>
+            <a:r>
+              <a:rPr lang="en-GB" b="0" i="0" dirty="0">
+                <a:effectLst/>
+                <a:latin typeface="Helvetica" pitchFamily="2" charset="0"/>
+                <a:hlinkClick r:id="rId3"/>
+              </a:rPr>
+              <a:t>https://epfl.zoom.us/j/66462767931</a:t>
+            </a:r>
+            <a:endParaRPr lang="en-GB" b="0" i="0" dirty="0">
+              <a:effectLst/>
+              <a:latin typeface="Helvetica" pitchFamily="2" charset="0"/>
+            </a:endParaRPr>
+          </a:p>
+          <a:p>
+            <a:pPr lvl="2"/>
+            <a:r>
+              <a:rPr lang="en-US" dirty="0"/>
+              <a:t>Zoom QA tool to ask questions</a:t>
+            </a:r>
+          </a:p>
+          <a:p>
+            <a:pPr lvl="2"/>
+            <a:r>
+              <a:rPr lang="en-US" dirty="0"/>
+              <a:t>Will be answered privately by assistants, or by the lecturer, depending on the questions</a:t>
+            </a:r>
+          </a:p>
+          <a:p>
+            <a:pPr lvl="1"/>
+            <a:r>
+              <a:rPr lang="en-US" dirty="0"/>
+              <a:t>Zoom Quizzes (anonymous)</a:t>
+            </a:r>
+          </a:p>
+          <a:p>
+            <a:pPr lvl="1"/>
+            <a:r>
+              <a:rPr lang="en-US" dirty="0"/>
+              <a:t>Zoom Chat to collect feedbacks </a:t>
+            </a:r>
+          </a:p>
+          <a:p>
+            <a:r>
+              <a:rPr lang="en-US" dirty="0"/>
+              <a:t>Video recordings</a:t>
+            </a:r>
+          </a:p>
+          <a:p>
+            <a:pPr lvl="1">
+              <a:buFont typeface="Arial" panose="020B0604020202020204" pitchFamily="34" charset="0"/>
+              <a:buChar char="–"/>
             </a:pPr>
             <a:r>
-              <a:rPr lang="en-US"/>
-              <a:t>©2023, Karl Aberer, EPFL-IC, Laboratoire de systèmes d'informations répartis </a:t>
-            </a:r>
+              <a:rPr lang="en-US" dirty="0"/>
+              <a:t>Check on Moodle</a:t>
+            </a:r>
+            <a:endParaRPr lang="en-GB" dirty="0"/>
+          </a:p>
+          <a:p>
+            <a:endParaRPr lang="en-US" dirty="0" err="1"/>
           </a:p>
         </p:txBody>
       </p:sp>
     </p:spTree>
-    <p:custDataLst>
-      <p:tags r:id="rId1"/>
-    </p:custDataLst>
+    <p:extLst>
+      <p:ext uri="{BB962C8B-B14F-4D97-AF65-F5344CB8AC3E}">
+        <p14:creationId xmlns:p14="http://schemas.microsoft.com/office/powerpoint/2010/main" val="3584549266"/>
+      </p:ext>
+    </p:extLst>
   </p:cSld>
   <p:clrMapOvr>
     <a:masterClrMapping/>
@@ -16734,34 +16750,15 @@
       </p:grpSpPr>
       <p:sp>
         <p:nvSpPr>
-          <p:cNvPr id="14338" name="Footer Placeholder 3"/>
+          <p:cNvPr id="2" name="Title 1">
+            <a:extLst>
+              <a:ext uri="{FF2B5EF4-FFF2-40B4-BE49-F238E27FC236}">
+                <a16:creationId xmlns:a16="http://schemas.microsoft.com/office/drawing/2014/main" id="{B72F80CC-1914-B74A-B08F-F3EE2EF4A98D}"/>
+              </a:ext>
+            </a:extLst>
+          </p:cNvPr>
           <p:cNvSpPr>
             <a:spLocks noGrp="1"/>
-          </p:cNvSpPr>
-          <p:nvPr>
-            <p:ph type="ftr" sz="quarter" idx="10"/>
-          </p:nvPr>
-        </p:nvSpPr>
-        <p:spPr>
-          <a:noFill/>
-        </p:spPr>
-        <p:txBody>
-          <a:bodyPr/>
-          <a:lstStyle/>
-          <a:p>
-            <a:r>
-              <a:rPr lang="fr-CH"/>
-              <a:t>©2023, Karl Aberer, EPFL-IC, Laboratoire de systèmes d'informations répartis </a:t>
-            </a:r>
-            <a:endParaRPr lang="en-GB" dirty="0"/>
-          </a:p>
-        </p:txBody>
-      </p:sp>
-      <p:sp>
-        <p:nvSpPr>
-          <p:cNvPr id="14339" name="Rectangle 2"/>
-          <p:cNvSpPr>
-            <a:spLocks noGrp="1" noChangeArrowheads="1"/>
           </p:cNvSpPr>
           <p:nvPr>
             <p:ph type="title"/>
@@ -16772,22 +16769,27 @@
           <a:bodyPr/>
           <a:lstStyle/>
           <a:p>
-            <a:pPr eaLnBrk="1" hangingPunct="1"/>
-            <a:r>
-              <a:rPr lang="en-US"/>
-              <a:t>The Course - Lecture</a:t>
+            <a:r>
+              <a:rPr lang="en-US" dirty="0"/>
+              <a:t>Are you planning to join the lecture live or virtually?</a:t>
             </a:r>
           </a:p>
         </p:txBody>
       </p:sp>
       <p:sp>
         <p:nvSpPr>
-          <p:cNvPr id="14340" name="Rectangle 3"/>
+          <p:cNvPr id="3" name="Content Placeholder 2">
+            <a:extLst>
+              <a:ext uri="{FF2B5EF4-FFF2-40B4-BE49-F238E27FC236}">
+                <a16:creationId xmlns:a16="http://schemas.microsoft.com/office/drawing/2014/main" id="{02CBEDBB-DB9B-724B-A3AD-F555D8CC1B34}"/>
+              </a:ext>
+            </a:extLst>
+          </p:cNvPr>
           <p:cNvSpPr>
-            <a:spLocks noGrp="1" noChangeArrowheads="1"/>
+            <a:spLocks noGrp="1"/>
           </p:cNvSpPr>
           <p:nvPr>
-            <p:ph type="body" idx="1"/>
+            <p:ph idx="1"/>
           </p:nvPr>
         </p:nvSpPr>
         <p:spPr/>
@@ -16795,84 +16797,76 @@
           <a:bodyPr/>
           <a:lstStyle/>
           <a:p>
-            <a:pPr eaLnBrk="1" hangingPunct="1"/>
+            <a:pPr marL="514350" indent="-514350">
+              <a:buAutoNum type="arabicPeriod"/>
+            </a:pPr>
             <a:r>
               <a:rPr lang="en-US" dirty="0"/>
-              <a:t>Standard online ex cathedra lecture</a:t>
-            </a:r>
-          </a:p>
-          <a:p>
-            <a:pPr lvl="1" eaLnBrk="1" hangingPunct="1"/>
+              <a:t>I join live today, and plan to continue live</a:t>
+            </a:r>
+          </a:p>
+          <a:p>
+            <a:pPr marL="514350" indent="-514350">
+              <a:buAutoNum type="arabicPeriod"/>
+            </a:pPr>
             <a:r>
               <a:rPr lang="en-US" dirty="0"/>
-              <a:t>Lecture streamed via Zoom</a:t>
-            </a:r>
-          </a:p>
-          <a:p>
-            <a:pPr lvl="2"/>
-            <a:r>
-              <a:rPr lang="en-GB" b="0" i="0" dirty="0">
-                <a:effectLst/>
-                <a:latin typeface="Helvetica" pitchFamily="2" charset="0"/>
-                <a:hlinkClick r:id="rId3"/>
-              </a:rPr>
-              <a:t>https://epfl.zoom.us/j/66237387610</a:t>
-            </a:r>
-            <a:endParaRPr lang="en-GB" b="0" i="0" dirty="0">
-              <a:effectLst/>
-              <a:latin typeface="Helvetica" pitchFamily="2" charset="0"/>
-            </a:endParaRPr>
-          </a:p>
-          <a:p>
-            <a:pPr lvl="2"/>
+              <a:t>I join live today, but plan to join virtually</a:t>
+            </a:r>
+          </a:p>
+          <a:p>
+            <a:pPr marL="514350" indent="-514350">
+              <a:buAutoNum type="arabicPeriod"/>
+            </a:pPr>
             <a:r>
               <a:rPr lang="en-US" dirty="0"/>
-              <a:t>Zoom QA tool to ask questions</a:t>
-            </a:r>
-          </a:p>
-          <a:p>
-            <a:pPr lvl="2"/>
+              <a:t>I join virtually today, and plan to continue virtually</a:t>
+            </a:r>
+          </a:p>
+          <a:p>
+            <a:pPr marL="514350" indent="-514350">
+              <a:buAutoNum type="arabicPeriod"/>
+            </a:pPr>
             <a:r>
               <a:rPr lang="en-US" dirty="0"/>
-              <a:t>Will be answered privately by assistants, or by the lecturer, depending on the questions</a:t>
-            </a:r>
-          </a:p>
-          <a:p>
-            <a:pPr lvl="1"/>
-            <a:r>
-              <a:rPr lang="en-US" dirty="0"/>
-              <a:t>Zoom Quizzes (anonymous)</a:t>
-            </a:r>
-          </a:p>
-          <a:p>
-            <a:pPr lvl="1"/>
-            <a:r>
-              <a:rPr lang="en-US" dirty="0"/>
-              <a:t>Zoom Chat to collect feedbacks </a:t>
-            </a:r>
-          </a:p>
-          <a:p>
-            <a:r>
-              <a:rPr lang="en-US" dirty="0"/>
-              <a:t>Video recordings </a:t>
-            </a:r>
-            <a:r>
-              <a:rPr lang="en-GB" u="sng" dirty="0">
-                <a:hlinkClick r:id="rId4"/>
-              </a:rPr>
-              <a:t>https://tube.switch.ch/channels/PH1KLlGUsX</a:t>
-            </a:r>
-            <a:endParaRPr lang="en-GB" u="sng" dirty="0"/>
-          </a:p>
-          <a:p>
-            <a:endParaRPr lang="en-US" dirty="0" err="1"/>
+              <a:t>I join virtually today, but plan to join live</a:t>
+            </a:r>
+          </a:p>
+        </p:txBody>
+      </p:sp>
+      <p:sp>
+        <p:nvSpPr>
+          <p:cNvPr id="4" name="Footer Placeholder 3">
+            <a:extLst>
+              <a:ext uri="{FF2B5EF4-FFF2-40B4-BE49-F238E27FC236}">
+                <a16:creationId xmlns:a16="http://schemas.microsoft.com/office/drawing/2014/main" id="{AF9E53E3-7B91-D749-AD1A-7363D57F0309}"/>
+              </a:ext>
+            </a:extLst>
+          </p:cNvPr>
+          <p:cNvSpPr>
+            <a:spLocks noGrp="1"/>
+          </p:cNvSpPr>
+          <p:nvPr>
+            <p:ph type="ftr" sz="quarter" idx="10"/>
+          </p:nvPr>
+        </p:nvSpPr>
+        <p:spPr/>
+        <p:txBody>
+          <a:bodyPr/>
+          <a:lstStyle/>
+          <a:p>
+            <a:r>
+              <a:rPr lang="fr-CH"/>
+              <a:t>©2023, Karl Aberer, EPFL-IC, Laboratoire de systèmes d'informations répartis </a:t>
+            </a:r>
+            <a:endParaRPr lang="en-GB" dirty="0"/>
           </a:p>
         </p:txBody>
       </p:sp>
     </p:spTree>
     <p:extLst>
       <p:ext uri="{BB962C8B-B14F-4D97-AF65-F5344CB8AC3E}">
-        <p14:creationId xmlns:p14="http://schemas.microsoft.com/office/powerpoint/2010/main" val="3584549266"/>
+        <p14:creationId xmlns:p14="http://schemas.microsoft.com/office/powerpoint/2010/main" val="3877780305"/>
       </p:ext>
     </p:extLst>
   </p:cSld>
@@ -16971,7 +16965,7 @@
             </a:pPr>
             <a:r>
               <a:rPr lang="en-US" dirty="0"/>
-              <a:t>Course notes and exercises will be published on the Web in advance: </a:t>
+              <a:t>Course notes and project-related information will be published on the Web: </a:t>
             </a:r>
             <a:br>
               <a:rPr lang="en-US" dirty="0"/>
@@ -16982,6 +16976,23 @@
               </a:rPr>
               <a:t>https://lsir.github.io/DIS/</a:t>
             </a:r>
+            <a:endParaRPr lang="en-GB" dirty="0"/>
+          </a:p>
+          <a:p>
+            <a:pPr lvl="1">
+              <a:buFont typeface="Arial"/>
+              <a:buChar char="–"/>
+            </a:pPr>
+            <a:r>
+              <a:rPr lang="en-US" dirty="0"/>
+              <a:t>Exercises and exam questions from previous years will be made available as well</a:t>
+            </a:r>
+          </a:p>
+          <a:p>
+            <a:pPr lvl="1">
+              <a:buFont typeface="Arial"/>
+              <a:buChar char="–"/>
+            </a:pPr>
             <a:endParaRPr lang="en-GB" dirty="0"/>
           </a:p>
           <a:p>
@@ -17116,7 +17127,7 @@
             </a:r>
           </a:p>
           <a:p>
-            <a:pPr marL="514350" indent="-514350">
+            <a:pPr marL="1257300" lvl="1" indent="-514350">
               <a:buFont typeface="+mj-lt"/>
               <a:buAutoNum type="arabicPeriod"/>
             </a:pPr>
@@ -17126,7 +17137,7 @@
             </a:r>
           </a:p>
           <a:p>
-            <a:pPr marL="514350" indent="-514350">
+            <a:pPr marL="1257300" lvl="1" indent="-514350">
               <a:buFont typeface="+mj-lt"/>
               <a:buAutoNum type="arabicPeriod"/>
             </a:pPr>
@@ -17136,7 +17147,7 @@
             </a:r>
           </a:p>
           <a:p>
-            <a:pPr marL="514350" indent="-514350">
+            <a:pPr marL="1257300" lvl="1" indent="-514350">
               <a:buFont typeface="+mj-lt"/>
               <a:buAutoNum type="arabicPeriod"/>
             </a:pPr>
@@ -17146,7 +17157,7 @@
             </a:r>
           </a:p>
           <a:p>
-            <a:pPr marL="514350" indent="-514350">
+            <a:pPr marL="1257300" lvl="1" indent="-514350">
               <a:buFont typeface="+mj-lt"/>
               <a:buAutoNum type="arabicPeriod"/>
             </a:pPr>
@@ -17161,7 +17172,16 @@
           <a:p>
             <a:r>
               <a:rPr lang="en-US" dirty="0"/>
-              <a:t>Exercises and exam questions from previous years will be made available as well</a:t>
+              <a:t>Done in groups of 2 or 3</a:t>
+            </a:r>
+          </a:p>
+          <a:p>
+            <a:endParaRPr lang="en-US" dirty="0"/>
+          </a:p>
+          <a:p>
+            <a:r>
+              <a:rPr lang="en-US" dirty="0"/>
+              <a:t>More details in exercise session</a:t>
             </a:r>
           </a:p>
           <a:p>
@@ -17208,27 +17228,6 @@
 </file>
 
 <file path=ppt/tags/tag3.xml><?xml version="1.0" encoding="utf-8"?>
-<p:tagLst xmlns:a="http://schemas.openxmlformats.org/drawingml/2006/main" xmlns:r="http://schemas.openxmlformats.org/officeDocument/2006/relationships" xmlns:p="http://schemas.openxmlformats.org/presentationml/2006/main">
-  <p:tag name="ZEROBASED" val="False"/>
-</p:tagLst>
-</file>
-
-<file path=ppt/tags/tag4.xml><?xml version="1.0" encoding="utf-8"?>
-<p:tagLst xmlns:a="http://schemas.openxmlformats.org/drawingml/2006/main" xmlns:r="http://schemas.openxmlformats.org/officeDocument/2006/relationships" xmlns:p="http://schemas.openxmlformats.org/presentationml/2006/main">
-  <p:tag name="SLIDEGUID" val="DB2990A505D64CF788E148F4DDA7E0A0"/>
-  <p:tag name="AUTOOPENPOLL" val="False"/>
-  <p:tag name="TYPE" val="MultiChoiceSlide"/>
-  <p:tag name="TPSLIDEBULLETSTYLE" val="2"/>
-  <p:tag name="TPQUESTIONXML" val="&lt;?xml version=&quot;1.0&quot; encoding=&quot;UTF-8&quot; standalone=&quot;yes&quot;?&gt;&lt;questionlist&gt;&lt;properties&gt;&lt;guid&gt;EE41236B03F644C3AB166FCCDD2B05C6&lt;/guid&gt;&lt;date&gt;2/17/2020 10:30:33 AM&lt;/date&gt;&lt;/properties&gt;&lt;questionlisttemplate&gt;&lt;correctvalue&gt;1&lt;/correctvalue&gt;&lt;incorrectvalue&gt;0&lt;/incorrectvalue&gt;&lt;numberofquestions&gt;1&lt;/numberofquestions&gt;&lt;questiontype&gt;1&lt;/questiontype&gt;&lt;numberofchoices&gt;4&lt;/numberofchoices&gt;&lt;bulletstyle&gt;2&lt;/bulletstyle&gt;&lt;questionfont&gt;Verdana&lt;/questionfont&gt;&lt;questionfontsize&gt;12&lt;/questionfontsize&gt;&lt;answerfont&gt;Verdana&lt;/answerfont&gt;&lt;answerfontsize&gt;12&lt;/answerfontsize&gt;&lt;showresults&gt;True&lt;/showresults&gt;&lt;countdowntime&gt;30&lt;/countdowntime&gt;&lt;responsegrid&gt;0&lt;/responsegrid&gt;&lt;/questionlisttemplate&gt;&lt;questions&gt;&lt;multichoice&gt;&lt;guid&gt;DB2990A505D64CF788E148F4DDA7E0A0&lt;/guid&gt;&lt;repollguid&gt;6343E9A0EEC94D738FC0F971AE5CB77F&lt;/repollguid&gt;&lt;sourceid&gt;ACE99DB9FCFE4CD1BED07041FA99569D&lt;/sourceid&gt;&lt;questiontext&gt;Did you take Applied Data Analysis&lt;/questiontext&gt;&lt;showresults&gt;True&lt;/showresults&gt;&lt;responsegrid&gt;0&lt;/responsegrid&gt;&lt;countdowntime&gt;30&lt;/countdowntime&gt;&lt;correctvalue&gt;1&lt;/correctvalue&gt;&lt;incorrectvalue&gt;0&lt;/incorrectvalue&gt;&lt;responselimit&gt;1&lt;/responselimit&gt;&lt;bulletstyle&gt;2&lt;/bulletstyle&gt;&lt;answers&gt;&lt;answer&gt;&lt;guid&gt;5236532A29DF45DB83D96547CA1C80F3&lt;/guid&gt;&lt;answertext&gt;Yes&lt;/answertext&gt;&lt;valuetype&gt;0&lt;/valuetype&gt;&lt;/answer&gt;&lt;answer&gt;&lt;guid&gt;1CC0B890823849548581C56F2B6E1237&lt;/guid&gt;&lt;answertext&gt;No&lt;/answertext&gt;&lt;valuetype&gt;0&lt;/valuetype&gt;&lt;/answer&gt;&lt;/answers&gt;&lt;/multichoice&gt;&lt;/questions&gt;&lt;/questionlist&gt;"/>
-  <p:tag name="LIVECHARTING" val="False"/>
-  <p:tag name="CHARTTYPE" val="0"/>
-  <p:tag name="CHARTDEFINEDCOLORS" val="3,6,10,45,32,50,13,4,9,55,1"/>
-  <p:tag name="HASRESULTS" val="True"/>
-  <p:tag name="RESULTS" val="Did you take Applied Data Analysis[;crlf;]62[;]65[;]62[;]False[;]0[;][;crlf;]1.5968[;]2[;]0.4905[;]0.2406[;crlf;]25[;]0[;]Yes1[;]Yes[;][;crlf;]37[;]0[;]No2[;]No[;][;crlf;]"/>
-</p:tagLst>
-</file>
-
-<file path=ppt/tags/tag5.xml><?xml version="1.0" encoding="utf-8"?>
 <p:tagLst xmlns:a="http://schemas.openxmlformats.org/drawingml/2006/main" xmlns:r="http://schemas.openxmlformats.org/officeDocument/2006/relationships" xmlns:p="http://schemas.openxmlformats.org/presentationml/2006/main">
   <p:tag name="ZEROBASED" val="False"/>
 </p:tagLst>

--- a/Lectures/week 1/week 1 - Course Information 2023.pptx
+++ b/Lectures/week 1/week 1 - Course Information 2023.pptx
@@ -5314,15 +5314,16 @@
               <a:rPr lang="en-GB" dirty="0">
                 <a:hlinkClick r:id="rId2"/>
               </a:rPr>
-              <a:t>https://edstem.org/eu/courses/90/discussion/</a:t>
-            </a:r>
-            <a:endParaRPr lang="en-US" dirty="0"/>
-          </a:p>
-          <a:p>
-            <a:pPr marL="457200" indent="-457200">
-              <a:buFont typeface="Arial" panose="020B0604020202020204" pitchFamily="34" charset="0"/>
-              <a:buChar char="•"/>
-            </a:pPr>
+              <a:t>https://edstem.org/eu/courses/831/discussion/</a:t>
+            </a:r>
+            <a:endParaRPr lang="en-GB" dirty="0"/>
+          </a:p>
+          <a:p>
+            <a:pPr indent="-285750"/>
+            <a:endParaRPr lang="en-GB" dirty="0"/>
+          </a:p>
+          <a:p>
+            <a:pPr indent="-285750"/>
             <a:r>
               <a:rPr lang="en-GB" dirty="0"/>
               <a:t>Both among students and with assistants</a:t>
@@ -10052,24 +10053,28 @@
               </a:rPr>
               <a:t>mohammadreza.banaei@epfl.ch</a:t>
             </a:r>
-            <a:endParaRPr lang="en-US" sz="1600" dirty="0"/>
+            <a:endParaRPr lang="en-GB" sz="1600" dirty="0"/>
           </a:p>
           <a:p>
             <a:pPr lvl="1"/>
             <a:r>
-              <a:rPr lang="en-US" sz="1600" dirty="0" err="1"/>
-              <a:t>Mokhtarian</a:t>
-            </a:r>
-            <a:r>
               <a:rPr lang="en-US" sz="1600" dirty="0"/>
-              <a:t> Ehsan 		</a:t>
+              <a:t>William Cappelletti		</a:t>
             </a:r>
             <a:r>
               <a:rPr lang="en-US" sz="1600" dirty="0">
                 <a:hlinkClick r:id="rId8"/>
               </a:rPr>
-              <a:t>ehsan.mokhtarian@epfl.ch</a:t>
-            </a:r>
+              <a:t>william.cappelletti@epfl.ch</a:t>
+            </a:r>
+            <a:endParaRPr lang="en-US" sz="1600" dirty="0"/>
+          </a:p>
+          <a:p>
+            <a:pPr lvl="1"/>
+            <a:endParaRPr lang="en-US" sz="1600" dirty="0"/>
+          </a:p>
+          <a:p>
+            <a:pPr lvl="1"/>
             <a:endParaRPr lang="en-US" sz="1600" dirty="0"/>
           </a:p>
         </p:txBody>
